--- a/Capacitación.pptx
+++ b/Capacitación.pptx
@@ -23111,8 +23111,8 @@
       </p:transition>
     </mc:Fallback>
   </mc:AlternateContent>
-  <mc:AlternateContent xmlns:mc="http://schemas.openxmlformats.org/markup-compatibility/2006">
-    <mc:Choice xmlns:p14="http://schemas.microsoft.com/office/powerpoint/2010/main" Requires="p14">
+  <mc:AlternateContent xmlns:mc="http://schemas.openxmlformats.org/markup-compatibility/2006" xmlns:p14="http://schemas.microsoft.com/office/powerpoint/2010/main">
+    <mc:Choice Requires="p14">
       <p:timing>
         <p:tnLst>
           <p:par>
@@ -23603,7 +23603,7 @@
         </p:tnLst>
       </p:timing>
     </mc:Choice>
-    <mc:Fallback>
+    <mc:Fallback xmlns="">
       <p:timing>
         <p:tnLst>
           <p:par>
@@ -24123,10 +24123,10 @@
         </p:nvGrpSpPr>
         <p:grpSpPr>
           <a:xfrm>
-            <a:off x="3735684" y="3000836"/>
-            <a:ext cx="2116652" cy="1644308"/>
+            <a:off x="2699260" y="3079929"/>
+            <a:ext cx="2116652" cy="2133801"/>
             <a:chOff x="3735684" y="3000836"/>
-            <a:chExt cx="2116652" cy="1644308"/>
+            <a:chExt cx="2116652" cy="2133801"/>
           </a:xfrm>
         </p:grpSpPr>
         <p:sp>
@@ -24140,7 +24140,7 @@
           <p:spPr>
             <a:xfrm>
               <a:off x="3735684" y="4022375"/>
-              <a:ext cx="2116652" cy="622769"/>
+              <a:ext cx="2116652" cy="1112262"/>
             </a:xfrm>
             <a:prstGeom prst="rect">
               <a:avLst/>
@@ -24325,7 +24325,7 @@
                 </a:lnSpc>
               </a:pPr>
               <a:r>
-                <a:rPr lang="en-US" sz="1200" dirty="0">
+                <a:rPr lang="es-PA" sz="1200" dirty="0">
                   <a:solidFill>
                     <a:schemeClr val="tx1"/>
                   </a:solidFill>
@@ -24333,7 +24333,7 @@
                   <a:ea typeface="Lato Light" charset="0"/>
                   <a:cs typeface="Lato Light" charset="0"/>
                 </a:rPr>
-                <a:t>Frequently, your initial font choice</a:t>
+                <a:t>El establecer una comunicación con alguien generalmente de la familia se vuelve parte del uso frecuente</a:t>
               </a:r>
             </a:p>
           </p:txBody>
@@ -24346,8 +24346,8 @@
           </p:nvSpPr>
           <p:spPr>
             <a:xfrm>
-              <a:off x="4023716" y="3674960"/>
-              <a:ext cx="1521827" cy="307777"/>
+              <a:off x="4210466" y="3674960"/>
+              <a:ext cx="1148327" cy="307777"/>
             </a:xfrm>
             <a:prstGeom prst="rect">
               <a:avLst/>
@@ -24367,7 +24367,7 @@
                   <a:ea typeface="Lato Heavy" charset="0"/>
                   <a:cs typeface="Lato Heavy" charset="0"/>
                 </a:rPr>
-                <a:t>CUPS OF COFFEE</a:t>
+                <a:t>MENSAJERÍA</a:t>
               </a:r>
             </a:p>
           </p:txBody>
@@ -24382,8 +24382,8 @@
           </p:nvSpPr>
           <p:spPr bwMode="auto">
             <a:xfrm>
-              <a:off x="4384881" y="3000836"/>
-              <a:ext cx="822340" cy="474489"/>
+              <a:off x="4360035" y="3000836"/>
+              <a:ext cx="872034" cy="474489"/>
             </a:xfrm>
             <a:prstGeom prst="rect">
               <a:avLst/>
@@ -24394,14 +24394,14 @@
             </a:ln>
             <a:extLst>
               <a:ext uri="{909E8E84-426E-40dd-AFC4-6F175D3DCCD1}">
-                <a14:hiddenFill xmlns:a14="http://schemas.microsoft.com/office/drawing/2010/main" xmlns="">
+                <a14:hiddenFill xmlns="" xmlns:a14="http://schemas.microsoft.com/office/drawing/2010/main">
                   <a:solidFill>
                     <a:srgbClr val="FFFFFF"/>
                   </a:solidFill>
                 </a14:hiddenFill>
               </a:ext>
               <a:ext uri="{91240B29-F687-4f45-9708-019B960494DF}">
-                <a14:hiddenLine xmlns:a14="http://schemas.microsoft.com/office/drawing/2010/main" xmlns="" w="12700">
+                <a14:hiddenLine xmlns="" xmlns:a14="http://schemas.microsoft.com/office/drawing/2010/main" w="12700">
                   <a:solidFill>
                     <a:schemeClr val="tx1"/>
                   </a:solidFill>
@@ -24424,44 +24424,41 @@
                 </a:lnSpc>
               </a:pPr>
               <a:r>
-                <a:rPr lang="id-ID" sz="3500" spc="250" dirty="0">
+                <a:rPr lang="es-PA" sz="3500" b="1" spc="250" dirty="0">
                   <a:latin typeface="+mj-lt"/>
                   <a:ea typeface="Lato Light" charset="0"/>
                   <a:cs typeface="Lato Light" charset="0"/>
                   <a:sym typeface="Bebas Neue" charset="0"/>
                 </a:rPr>
-                <a:t>2</a:t>
+                <a:t>80%</a:t>
               </a:r>
-              <a:r>
-                <a:rPr lang="en-US" sz="3500" spc="250" dirty="0">
-                  <a:latin typeface="+mj-lt"/>
-                  <a:ea typeface="Lato Light" charset="0"/>
-                  <a:cs typeface="Lato Light" charset="0"/>
-                  <a:sym typeface="Bebas Neue" charset="0"/>
-                </a:rPr>
-                <a:t>58</a:t>
-              </a:r>
+              <a:endParaRPr lang="en-US" sz="3500" b="1" spc="250" dirty="0">
+                <a:latin typeface="+mj-lt"/>
+                <a:ea typeface="Lato Light" charset="0"/>
+                <a:cs typeface="Lato Light" charset="0"/>
+                <a:sym typeface="Bebas Neue" charset="0"/>
+              </a:endParaRPr>
             </a:p>
           </p:txBody>
         </p:sp>
       </p:grpSp>
       <p:grpSp>
         <p:nvGrpSpPr>
-          <p:cNvPr id="23" name="Group 22"/>
+          <p:cNvPr id="20" name="Group 19"/>
           <p:cNvGrpSpPr/>
           <p:nvPr/>
         </p:nvGrpSpPr>
         <p:grpSpPr>
           <a:xfrm>
-            <a:off x="9008802" y="3000836"/>
-            <a:ext cx="2116652" cy="1644308"/>
-            <a:chOff x="9008802" y="3000836"/>
-            <a:chExt cx="2116652" cy="1644308"/>
+            <a:off x="582608" y="3079929"/>
+            <a:ext cx="2116652" cy="1877320"/>
+            <a:chOff x="1075905" y="3000836"/>
+            <a:chExt cx="2116652" cy="1877320"/>
           </a:xfrm>
         </p:grpSpPr>
         <p:sp>
           <p:nvSpPr>
-            <p:cNvPr id="5" name="Subtitle 2"/>
+            <p:cNvPr id="8" name="Subtitle 2"/>
             <p:cNvSpPr txBox="1">
               <a:spLocks/>
             </p:cNvSpPr>
@@ -24469,8 +24466,8 @@
           </p:nvSpPr>
           <p:spPr>
             <a:xfrm>
-              <a:off x="9008802" y="4022375"/>
-              <a:ext cx="2116652" cy="622769"/>
+              <a:off x="1075905" y="4022375"/>
+              <a:ext cx="2116652" cy="855781"/>
             </a:xfrm>
             <a:prstGeom prst="rect">
               <a:avLst/>
@@ -24655,29 +24652,33 @@
                 </a:lnSpc>
               </a:pPr>
               <a:r>
-                <a:rPr lang="en-US" sz="1200" dirty="0">
+                <a:rPr lang="es-ES" sz="1200" dirty="0">
                   <a:solidFill>
                     <a:schemeClr val="tx1"/>
                   </a:solidFill>
                   <a:latin typeface="+mn-lt"/>
-                  <a:ea typeface="Lato Light" charset="0"/>
-                  <a:cs typeface="Lato Light" charset="0"/>
                 </a:rPr>
-                <a:t>Frequently, your initial font choice</a:t>
+                <a:t>Medio principal de entretenimiento en la etapa del desarrollo de habilidades</a:t>
               </a:r>
+              <a:endParaRPr lang="en-US" sz="1200" dirty="0">
+                <a:solidFill>
+                  <a:schemeClr val="tx1"/>
+                </a:solidFill>
+                <a:latin typeface="+mn-lt"/>
+              </a:endParaRPr>
             </a:p>
           </p:txBody>
         </p:sp>
         <p:sp>
           <p:nvSpPr>
-            <p:cNvPr id="6" name="TextBox 5"/>
+            <p:cNvPr id="9" name="TextBox 8"/>
             <p:cNvSpPr txBox="1"/>
             <p:nvPr/>
           </p:nvSpPr>
           <p:spPr>
             <a:xfrm>
-              <a:off x="9661647" y="3674960"/>
-              <a:ext cx="792205" cy="307777"/>
+              <a:off x="1741281" y="3674960"/>
+              <a:ext cx="767134" cy="307777"/>
             </a:xfrm>
             <a:prstGeom prst="rect">
               <a:avLst/>
@@ -24692,24 +24693,19 @@
             <a:p>
               <a:pPr algn="ctr"/>
               <a:r>
-                <a:rPr lang="id-ID" sz="1400" b="1" dirty="0">
+                <a:rPr lang="en-US" sz="1400" b="1" dirty="0">
                   <a:latin typeface="+mj-lt"/>
                   <a:ea typeface="Lato Heavy" charset="0"/>
                   <a:cs typeface="Lato Heavy" charset="0"/>
                 </a:rPr>
-                <a:t>DESIGN</a:t>
+                <a:t>JUEGOS</a:t>
               </a:r>
-              <a:endParaRPr lang="en-US" sz="1400" b="1" dirty="0">
-                <a:latin typeface="+mj-lt"/>
-                <a:ea typeface="Lato Heavy" charset="0"/>
-                <a:cs typeface="Lato Heavy" charset="0"/>
-              </a:endParaRPr>
             </a:p>
           </p:txBody>
         </p:sp>
         <p:sp>
           <p:nvSpPr>
-            <p:cNvPr id="7" name="Rectangle 6"/>
+            <p:cNvPr id="10" name="Rectangle 9"/>
             <p:cNvSpPr>
               <a:spLocks/>
             </p:cNvSpPr>
@@ -24717,8 +24713,8 @@
           </p:nvSpPr>
           <p:spPr bwMode="auto">
             <a:xfrm>
-              <a:off x="9420755" y="3000836"/>
-              <a:ext cx="1296830" cy="474489"/>
+              <a:off x="1697051" y="3000836"/>
+              <a:ext cx="878446" cy="474489"/>
             </a:xfrm>
             <a:prstGeom prst="rect">
               <a:avLst/>
@@ -24729,14 +24725,14 @@
             </a:ln>
             <a:extLst>
               <a:ext uri="{909E8E84-426E-40dd-AFC4-6F175D3DCCD1}">
-                <a14:hiddenFill xmlns:a14="http://schemas.microsoft.com/office/drawing/2010/main" xmlns="">
+                <a14:hiddenFill xmlns="" xmlns:a14="http://schemas.microsoft.com/office/drawing/2010/main">
                   <a:solidFill>
                     <a:srgbClr val="FFFFFF"/>
                   </a:solidFill>
                 </a14:hiddenFill>
               </a:ext>
               <a:ext uri="{91240B29-F687-4f45-9708-019B960494DF}">
-                <a14:hiddenLine xmlns:a14="http://schemas.microsoft.com/office/drawing/2010/main" xmlns="" w="12700">
+                <a14:hiddenLine xmlns="" xmlns:a14="http://schemas.microsoft.com/office/drawing/2010/main" w="12700">
                   <a:solidFill>
                     <a:schemeClr val="tx1"/>
                   </a:solidFill>
@@ -24759,22 +24755,13 @@
                 </a:lnSpc>
               </a:pPr>
               <a:r>
-                <a:rPr lang="id-ID" sz="3500" spc="250" dirty="0">
+                <a:rPr lang="en-US" sz="3500" b="1" spc="250" dirty="0">
                   <a:latin typeface="+mj-lt"/>
                   <a:ea typeface="Lato Light" charset="0"/>
                   <a:cs typeface="Lato Light" charset="0"/>
                   <a:sym typeface="Bebas Neue" charset="0"/>
                 </a:rPr>
-                <a:t>9</a:t>
-              </a:r>
-              <a:r>
-                <a:rPr lang="en-US" sz="3500" spc="250" dirty="0">
-                  <a:latin typeface="+mj-lt"/>
-                  <a:ea typeface="Lato Light" charset="0"/>
-                  <a:cs typeface="Lato Light" charset="0"/>
-                  <a:sym typeface="Bebas Neue" charset="0"/>
-                </a:rPr>
-                <a:t>,263</a:t>
+                <a:t>38%</a:t>
               </a:r>
             </a:p>
           </p:txBody>
@@ -24782,21 +24769,21 @@
       </p:grpSp>
       <p:grpSp>
         <p:nvGrpSpPr>
-          <p:cNvPr id="20" name="Group 19"/>
+          <p:cNvPr id="22" name="Group 21"/>
           <p:cNvGrpSpPr/>
           <p:nvPr/>
         </p:nvGrpSpPr>
         <p:grpSpPr>
           <a:xfrm>
-            <a:off x="1075905" y="3000836"/>
-            <a:ext cx="2116652" cy="1644308"/>
-            <a:chOff x="1075905" y="3000836"/>
-            <a:chExt cx="2116652" cy="1644308"/>
+            <a:off x="5022003" y="3079929"/>
+            <a:ext cx="2116652" cy="2646762"/>
+            <a:chOff x="6395463" y="3000836"/>
+            <a:chExt cx="2116652" cy="2646762"/>
           </a:xfrm>
         </p:grpSpPr>
         <p:sp>
           <p:nvSpPr>
-            <p:cNvPr id="8" name="Subtitle 2"/>
+            <p:cNvPr id="11" name="Subtitle 2"/>
             <p:cNvSpPr txBox="1">
               <a:spLocks/>
             </p:cNvSpPr>
@@ -24804,8 +24791,8 @@
           </p:nvSpPr>
           <p:spPr>
             <a:xfrm>
-              <a:off x="1075905" y="4022375"/>
-              <a:ext cx="2116652" cy="622769"/>
+              <a:off x="6395463" y="4022375"/>
+              <a:ext cx="2116652" cy="1625223"/>
             </a:xfrm>
             <a:prstGeom prst="rect">
               <a:avLst/>
@@ -24990,7 +24977,7 @@
                 </a:lnSpc>
               </a:pPr>
               <a:r>
-                <a:rPr lang="en-US" sz="1200" dirty="0">
+                <a:rPr lang="es-PA" sz="1200" dirty="0">
                   <a:solidFill>
                     <a:schemeClr val="tx1"/>
                   </a:solidFill>
@@ -24998,21 +24985,21 @@
                   <a:ea typeface="Lato Light" charset="0"/>
                   <a:cs typeface="Lato Light" charset="0"/>
                 </a:rPr>
-                <a:t>Frequently, your initial font choice</a:t>
+                <a:t>La tendencia aumenta hasta un 63% cuando se habla de ver videos musicales, la tendencia presenta un gap de 56% en motivos de búsqueda de información</a:t>
               </a:r>
             </a:p>
           </p:txBody>
         </p:sp>
         <p:sp>
           <p:nvSpPr>
-            <p:cNvPr id="9" name="TextBox 8"/>
+            <p:cNvPr id="12" name="TextBox 11"/>
             <p:cNvSpPr txBox="1"/>
             <p:nvPr/>
           </p:nvSpPr>
           <p:spPr>
             <a:xfrm>
-              <a:off x="1407634" y="3674960"/>
-              <a:ext cx="1434432" cy="307777"/>
+              <a:off x="7072287" y="3674960"/>
+              <a:ext cx="744243" cy="307777"/>
             </a:xfrm>
             <a:prstGeom prst="rect">
               <a:avLst/>
@@ -25032,14 +25019,14 @@
                   <a:ea typeface="Lato Heavy" charset="0"/>
                   <a:cs typeface="Lato Heavy" charset="0"/>
                 </a:rPr>
-                <a:t>HAPPY CLIENTS</a:t>
+                <a:t>VIDEOS</a:t>
               </a:r>
             </a:p>
           </p:txBody>
         </p:sp>
         <p:sp>
           <p:nvSpPr>
-            <p:cNvPr id="10" name="Rectangle 9"/>
+            <p:cNvPr id="13" name="Rectangle 12"/>
             <p:cNvSpPr>
               <a:spLocks/>
             </p:cNvSpPr>
@@ -25047,8 +25034,8 @@
           </p:nvSpPr>
           <p:spPr bwMode="auto">
             <a:xfrm>
-              <a:off x="1487858" y="3000836"/>
-              <a:ext cx="1296830" cy="474489"/>
+              <a:off x="7019815" y="3000836"/>
+              <a:ext cx="872034" cy="474489"/>
             </a:xfrm>
             <a:prstGeom prst="rect">
               <a:avLst/>
@@ -25059,14 +25046,14 @@
             </a:ln>
             <a:extLst>
               <a:ext uri="{909E8E84-426E-40dd-AFC4-6F175D3DCCD1}">
-                <a14:hiddenFill xmlns:a14="http://schemas.microsoft.com/office/drawing/2010/main" xmlns="">
+                <a14:hiddenFill xmlns="" xmlns:a14="http://schemas.microsoft.com/office/drawing/2010/main">
                   <a:solidFill>
                     <a:srgbClr val="FFFFFF"/>
                   </a:solidFill>
                 </a14:hiddenFill>
               </a:ext>
               <a:ext uri="{91240B29-F687-4f45-9708-019B960494DF}">
-                <a14:hiddenLine xmlns:a14="http://schemas.microsoft.com/office/drawing/2010/main" xmlns="" w="12700">
+                <a14:hiddenLine xmlns="" xmlns:a14="http://schemas.microsoft.com/office/drawing/2010/main" w="12700">
                   <a:solidFill>
                     <a:schemeClr val="tx1"/>
                   </a:solidFill>
@@ -25089,44 +25076,223 @@
                 </a:lnSpc>
               </a:pPr>
               <a:r>
-                <a:rPr lang="id-ID" sz="3500" spc="250" dirty="0">
+                <a:rPr lang="es-PA" sz="3500" b="1" spc="250" dirty="0">
                   <a:latin typeface="+mj-lt"/>
                   <a:ea typeface="Lato Light" charset="0"/>
                   <a:cs typeface="Lato Light" charset="0"/>
                   <a:sym typeface="Bebas Neue" charset="0"/>
                 </a:rPr>
-                <a:t>5</a:t>
+                <a:t>60%</a:t>
               </a:r>
-              <a:r>
-                <a:rPr lang="en-US" sz="3500" spc="250" dirty="0">
-                  <a:latin typeface="+mj-lt"/>
-                  <a:ea typeface="Lato Light" charset="0"/>
-                  <a:cs typeface="Lato Light" charset="0"/>
-                  <a:sym typeface="Bebas Neue" charset="0"/>
-                </a:rPr>
-                <a:t>,567</a:t>
-              </a:r>
+              <a:endParaRPr lang="en-US" sz="3500" b="1" spc="250" dirty="0">
+                <a:latin typeface="+mj-lt"/>
+                <a:ea typeface="Lato Light" charset="0"/>
+                <a:cs typeface="Lato Light" charset="0"/>
+                <a:sym typeface="Bebas Neue" charset="0"/>
+              </a:endParaRPr>
             </a:p>
           </p:txBody>
         </p:sp>
       </p:grpSp>
       <p:grpSp>
         <p:nvGrpSpPr>
-          <p:cNvPr id="22" name="Group 21"/>
+          <p:cNvPr id="14" name="Group 13"/>
           <p:cNvGrpSpPr/>
           <p:nvPr/>
         </p:nvGrpSpPr>
         <p:grpSpPr>
           <a:xfrm>
-            <a:off x="6395463" y="3000836"/>
-            <a:ext cx="2116652" cy="1644308"/>
-            <a:chOff x="6395463" y="3000836"/>
-            <a:chExt cx="2116652" cy="1644308"/>
+            <a:off x="3054157" y="803810"/>
+            <a:ext cx="6132848" cy="973830"/>
+            <a:chOff x="3569959" y="811072"/>
+            <a:chExt cx="6132848" cy="973830"/>
           </a:xfrm>
         </p:grpSpPr>
         <p:sp>
           <p:nvSpPr>
-            <p:cNvPr id="11" name="Subtitle 2"/>
+            <p:cNvPr id="15" name="TextBox 14"/>
+            <p:cNvSpPr txBox="1"/>
+            <p:nvPr/>
+          </p:nvSpPr>
+          <p:spPr>
+            <a:xfrm>
+              <a:off x="3569959" y="1138571"/>
+              <a:ext cx="6132848" cy="646331"/>
+            </a:xfrm>
+            <a:prstGeom prst="rect">
+              <a:avLst/>
+            </a:prstGeom>
+            <a:noFill/>
+          </p:spPr>
+          <p:txBody>
+            <a:bodyPr wrap="square" rtlCol="0">
+              <a:spAutoFit/>
+            </a:bodyPr>
+            <a:lstStyle/>
+            <a:p>
+              <a:pPr algn="ctr"/>
+              <a:r>
+                <a:rPr lang="en-US" sz="3600" b="1" dirty="0">
+                  <a:latin typeface="Titillium" panose="00000500000000000000" pitchFamily="50" charset="0"/>
+                </a:rPr>
+                <a:t>EL FUTURO ES HOY</a:t>
+              </a:r>
+              <a:endParaRPr lang="en-US" sz="3600" b="1" dirty="0">
+                <a:solidFill>
+                  <a:schemeClr val="accent2"/>
+                </a:solidFill>
+                <a:latin typeface="Titillium" panose="00000500000000000000" pitchFamily="50" charset="0"/>
+              </a:endParaRPr>
+            </a:p>
+          </p:txBody>
+        </p:sp>
+        <p:grpSp>
+          <p:nvGrpSpPr>
+            <p:cNvPr id="16" name="Group 15"/>
+            <p:cNvGrpSpPr/>
+            <p:nvPr/>
+          </p:nvGrpSpPr>
+          <p:grpSpPr>
+            <a:xfrm>
+              <a:off x="5020269" y="811072"/>
+              <a:ext cx="3232227" cy="307777"/>
+              <a:chOff x="4472113" y="319593"/>
+              <a:chExt cx="3232227" cy="307777"/>
+            </a:xfrm>
+          </p:grpSpPr>
+          <p:sp>
+            <p:nvSpPr>
+              <p:cNvPr id="17" name="TextBox 16"/>
+              <p:cNvSpPr txBox="1"/>
+              <p:nvPr/>
+            </p:nvSpPr>
+            <p:spPr>
+              <a:xfrm>
+                <a:off x="5074973" y="360666"/>
+                <a:ext cx="2117816" cy="253916"/>
+              </a:xfrm>
+              <a:prstGeom prst="rect">
+                <a:avLst/>
+              </a:prstGeom>
+              <a:noFill/>
+            </p:spPr>
+            <p:txBody>
+              <a:bodyPr wrap="square" rtlCol="0">
+                <a:spAutoFit/>
+              </a:bodyPr>
+              <a:lstStyle/>
+              <a:p>
+                <a:pPr algn="ctr"/>
+                <a:r>
+                  <a:rPr lang="en-US" sz="1050" spc="400" dirty="0">
+                    <a:latin typeface="+mj-lt"/>
+                  </a:rPr>
+                  <a:t>ENTREVISTA A 500</a:t>
+                </a:r>
+              </a:p>
+            </p:txBody>
+          </p:sp>
+          <p:sp>
+            <p:nvSpPr>
+              <p:cNvPr id="18" name="TextBox 17"/>
+              <p:cNvSpPr txBox="1"/>
+              <p:nvPr/>
+            </p:nvSpPr>
+            <p:spPr>
+              <a:xfrm>
+                <a:off x="4472113" y="319593"/>
+                <a:ext cx="425116" cy="307777"/>
+              </a:xfrm>
+              <a:prstGeom prst="rect">
+                <a:avLst/>
+              </a:prstGeom>
+              <a:noFill/>
+            </p:spPr>
+            <p:txBody>
+              <a:bodyPr wrap="none" rtlCol="0">
+                <a:spAutoFit/>
+              </a:bodyPr>
+              <a:lstStyle/>
+              <a:p>
+                <a:pPr algn="ctr"/>
+                <a:r>
+                  <a:rPr lang="en-US" sz="1400" spc="400" dirty="0">
+                    <a:solidFill>
+                      <a:schemeClr val="tx1"/>
+                    </a:solidFill>
+                    <a:latin typeface="+mj-lt"/>
+                  </a:rPr>
+                  <a:t>-[</a:t>
+                </a:r>
+              </a:p>
+            </p:txBody>
+          </p:sp>
+          <p:sp>
+            <p:nvSpPr>
+              <p:cNvPr id="19" name="TextBox 18"/>
+              <p:cNvSpPr txBox="1"/>
+              <p:nvPr/>
+            </p:nvSpPr>
+            <p:spPr>
+              <a:xfrm>
+                <a:off x="7279224" y="319593"/>
+                <a:ext cx="425116" cy="307777"/>
+              </a:xfrm>
+              <a:prstGeom prst="rect">
+                <a:avLst/>
+              </a:prstGeom>
+              <a:noFill/>
+            </p:spPr>
+            <p:txBody>
+              <a:bodyPr wrap="none" rtlCol="0">
+                <a:spAutoFit/>
+              </a:bodyPr>
+              <a:lstStyle/>
+              <a:p>
+                <a:pPr algn="ctr"/>
+                <a:r>
+                  <a:rPr lang="en-US" sz="1400" spc="400" dirty="0">
+                    <a:solidFill>
+                      <a:schemeClr val="tx1"/>
+                    </a:solidFill>
+                    <a:latin typeface="+mj-lt"/>
+                  </a:rPr>
+                  <a:t>]-</a:t>
+                </a:r>
+              </a:p>
+            </p:txBody>
+          </p:sp>
+        </p:grpSp>
+      </p:grpSp>
+      <p:grpSp>
+        <p:nvGrpSpPr>
+          <p:cNvPr id="24" name="Group 21">
+            <a:extLst>
+              <a:ext uri="{FF2B5EF4-FFF2-40B4-BE49-F238E27FC236}">
+                <a16:creationId xmlns:a16="http://schemas.microsoft.com/office/drawing/2014/main" id="{159E40B5-44CC-463B-91DE-8905C623C8B1}"/>
+              </a:ext>
+            </a:extLst>
+          </p:cNvPr>
+          <p:cNvGrpSpPr/>
+          <p:nvPr/>
+        </p:nvGrpSpPr>
+        <p:grpSpPr>
+          <a:xfrm>
+            <a:off x="7225143" y="3079929"/>
+            <a:ext cx="2116652" cy="1877320"/>
+            <a:chOff x="6395463" y="3000836"/>
+            <a:chExt cx="2116652" cy="1877320"/>
+          </a:xfrm>
+        </p:grpSpPr>
+        <p:sp>
+          <p:nvSpPr>
+            <p:cNvPr id="25" name="Subtitle 2">
+              <a:extLst>
+                <a:ext uri="{FF2B5EF4-FFF2-40B4-BE49-F238E27FC236}">
+                  <a16:creationId xmlns:a16="http://schemas.microsoft.com/office/drawing/2014/main" id="{A6086DE0-F9F2-4DAF-8F74-D0FCEED9E164}"/>
+                </a:ext>
+              </a:extLst>
+            </p:cNvPr>
             <p:cNvSpPr txBox="1">
               <a:spLocks/>
             </p:cNvSpPr>
@@ -25135,7 +25301,7 @@
           <p:spPr>
             <a:xfrm>
               <a:off x="6395463" y="4022375"/>
-              <a:ext cx="2116652" cy="622769"/>
+              <a:ext cx="2116652" cy="855781"/>
             </a:xfrm>
             <a:prstGeom prst="rect">
               <a:avLst/>
@@ -25320,7 +25486,7 @@
                 </a:lnSpc>
               </a:pPr>
               <a:r>
-                <a:rPr lang="en-US" sz="1200" dirty="0">
+                <a:rPr lang="es-PA" sz="1200" dirty="0">
                   <a:solidFill>
                     <a:schemeClr val="tx1"/>
                   </a:solidFill>
@@ -25328,21 +25494,27 @@
                   <a:ea typeface="Lato Light" charset="0"/>
                   <a:cs typeface="Lato Light" charset="0"/>
                 </a:rPr>
-                <a:t>Frequently, your initial font choice</a:t>
+                <a:t>Revisan perfiles o visitan páginas de contenido dentro de algún tipo de red social</a:t>
               </a:r>
             </a:p>
           </p:txBody>
         </p:sp>
         <p:sp>
           <p:nvSpPr>
-            <p:cNvPr id="12" name="TextBox 11"/>
+            <p:cNvPr id="26" name="TextBox 11">
+              <a:extLst>
+                <a:ext uri="{FF2B5EF4-FFF2-40B4-BE49-F238E27FC236}">
+                  <a16:creationId xmlns:a16="http://schemas.microsoft.com/office/drawing/2014/main" id="{458399BA-EF5F-4BCC-8017-E193BD5CC294}"/>
+                </a:ext>
+              </a:extLst>
+            </p:cNvPr>
             <p:cNvSpPr txBox="1"/>
             <p:nvPr/>
           </p:nvSpPr>
           <p:spPr>
             <a:xfrm>
-              <a:off x="6922663" y="3674960"/>
-              <a:ext cx="1043491" cy="307777"/>
+              <a:off x="7114896" y="3674960"/>
+              <a:ext cx="659028" cy="307777"/>
             </a:xfrm>
             <a:prstGeom prst="rect">
               <a:avLst/>
@@ -25362,14 +25534,20 @@
                   <a:ea typeface="Lato Heavy" charset="0"/>
                   <a:cs typeface="Lato Heavy" charset="0"/>
                 </a:rPr>
-                <a:t>RETWEETS</a:t>
+                <a:t>REDES</a:t>
               </a:r>
             </a:p>
           </p:txBody>
         </p:sp>
         <p:sp>
           <p:nvSpPr>
-            <p:cNvPr id="13" name="Rectangle 12"/>
+            <p:cNvPr id="27" name="Rectangle 12">
+              <a:extLst>
+                <a:ext uri="{FF2B5EF4-FFF2-40B4-BE49-F238E27FC236}">
+                  <a16:creationId xmlns:a16="http://schemas.microsoft.com/office/drawing/2014/main" id="{A8145516-A8C1-4AF1-83EA-3144E1A93F61}"/>
+                </a:ext>
+              </a:extLst>
+            </p:cNvPr>
             <p:cNvSpPr>
               <a:spLocks/>
             </p:cNvSpPr>
@@ -25377,8 +25555,8 @@
           </p:nvSpPr>
           <p:spPr bwMode="auto">
             <a:xfrm>
-              <a:off x="6807416" y="3000836"/>
-              <a:ext cx="1296830" cy="474489"/>
+              <a:off x="7016608" y="3000836"/>
+              <a:ext cx="878447" cy="474489"/>
             </a:xfrm>
             <a:prstGeom prst="rect">
               <a:avLst/>
@@ -25389,14 +25567,14 @@
             </a:ln>
             <a:extLst>
               <a:ext uri="{909E8E84-426E-40dd-AFC4-6F175D3DCCD1}">
-                <a14:hiddenFill xmlns:a14="http://schemas.microsoft.com/office/drawing/2010/main" xmlns="">
+                <a14:hiddenFill xmlns="" xmlns:a14="http://schemas.microsoft.com/office/drawing/2010/main">
                   <a:solidFill>
                     <a:srgbClr val="FFFFFF"/>
                   </a:solidFill>
                 </a14:hiddenFill>
               </a:ext>
               <a:ext uri="{91240B29-F687-4f45-9708-019B960494DF}">
-                <a14:hiddenLine xmlns:a14="http://schemas.microsoft.com/office/drawing/2010/main" xmlns="" w="12700">
+                <a14:hiddenLine xmlns="" xmlns:a14="http://schemas.microsoft.com/office/drawing/2010/main" w="12700">
                   <a:solidFill>
                     <a:schemeClr val="tx1"/>
                   </a:solidFill>
@@ -25419,51 +25597,275 @@
                 </a:lnSpc>
               </a:pPr>
               <a:r>
-                <a:rPr lang="id-ID" sz="3500" spc="250" dirty="0">
+                <a:rPr lang="es-PA" sz="3500" b="1" spc="250" dirty="0">
                   <a:latin typeface="+mj-lt"/>
                   <a:ea typeface="Lato Light" charset="0"/>
                   <a:cs typeface="Lato Light" charset="0"/>
                   <a:sym typeface="Bebas Neue" charset="0"/>
                 </a:rPr>
-                <a:t>5</a:t>
+                <a:t>46%</a:t>
               </a:r>
-              <a:r>
-                <a:rPr lang="en-US" sz="3500" spc="250" dirty="0">
-                  <a:latin typeface="+mj-lt"/>
-                  <a:ea typeface="Lato Light" charset="0"/>
-                  <a:cs typeface="Lato Light" charset="0"/>
-                  <a:sym typeface="Bebas Neue" charset="0"/>
-                </a:rPr>
-                <a:t>,263</a:t>
-              </a:r>
+              <a:endParaRPr lang="en-US" sz="3500" b="1" spc="250" dirty="0">
+                <a:latin typeface="+mj-lt"/>
+                <a:ea typeface="Lato Light" charset="0"/>
+                <a:cs typeface="Lato Light" charset="0"/>
+                <a:sym typeface="Bebas Neue" charset="0"/>
+              </a:endParaRPr>
             </a:p>
           </p:txBody>
         </p:sp>
       </p:grpSp>
       <p:grpSp>
         <p:nvGrpSpPr>
-          <p:cNvPr id="14" name="Group 13"/>
+          <p:cNvPr id="28" name="Group 21">
+            <a:extLst>
+              <a:ext uri="{FF2B5EF4-FFF2-40B4-BE49-F238E27FC236}">
+                <a16:creationId xmlns:a16="http://schemas.microsoft.com/office/drawing/2014/main" id="{0CF4E7EE-613D-4A0A-B40A-D6D00EC2FED2}"/>
+              </a:ext>
+            </a:extLst>
+          </p:cNvPr>
           <p:cNvGrpSpPr/>
           <p:nvPr/>
         </p:nvGrpSpPr>
         <p:grpSpPr>
           <a:xfrm>
-            <a:off x="3054157" y="803810"/>
-            <a:ext cx="6132848" cy="973830"/>
-            <a:chOff x="3569959" y="811072"/>
-            <a:chExt cx="6132848" cy="973830"/>
+            <a:off x="9423903" y="3079929"/>
+            <a:ext cx="2116652" cy="2133801"/>
+            <a:chOff x="6395463" y="3000836"/>
+            <a:chExt cx="2116652" cy="2133801"/>
           </a:xfrm>
         </p:grpSpPr>
         <p:sp>
           <p:nvSpPr>
-            <p:cNvPr id="15" name="TextBox 14"/>
+            <p:cNvPr id="29" name="Subtitle 2">
+              <a:extLst>
+                <a:ext uri="{FF2B5EF4-FFF2-40B4-BE49-F238E27FC236}">
+                  <a16:creationId xmlns:a16="http://schemas.microsoft.com/office/drawing/2014/main" id="{43139A81-DC85-4593-A8CB-5D6FEE32ACC5}"/>
+                </a:ext>
+              </a:extLst>
+            </p:cNvPr>
+            <p:cNvSpPr txBox="1">
+              <a:spLocks/>
+            </p:cNvSpPr>
+            <p:nvPr/>
+          </p:nvSpPr>
+          <p:spPr>
+            <a:xfrm>
+              <a:off x="6395463" y="4022375"/>
+              <a:ext cx="2116652" cy="1112262"/>
+            </a:xfrm>
+            <a:prstGeom prst="rect">
+              <a:avLst/>
+            </a:prstGeom>
+          </p:spPr>
+          <p:txBody>
+            <a:bodyPr vert="horz" wrap="square" lIns="108745" tIns="54373" rIns="108745" bIns="54373" rtlCol="0">
+              <a:spAutoFit/>
+            </a:bodyPr>
+            <a:lstStyle>
+              <a:lvl1pPr marL="0" indent="0" algn="ctr" defTabSz="1087636" rtl="0" eaLnBrk="1" latinLnBrk="0" hangingPunct="1">
+                <a:lnSpc>
+                  <a:spcPct val="120000"/>
+                </a:lnSpc>
+                <a:spcBef>
+                  <a:spcPct val="20000"/>
+                </a:spcBef>
+                <a:buFont typeface="Arial"/>
+                <a:buNone/>
+                <a:defRPr sz="2400" kern="1200">
+                  <a:solidFill>
+                    <a:schemeClr val="tx2"/>
+                  </a:solidFill>
+                  <a:latin typeface="Open Sans Light"/>
+                  <a:ea typeface="+mn-ea"/>
+                  <a:cs typeface="Open Sans Light"/>
+                </a:defRPr>
+              </a:lvl1pPr>
+              <a:lvl2pPr marL="1087636" indent="0" algn="ctr" defTabSz="1087636" rtl="0" eaLnBrk="1" latinLnBrk="0" hangingPunct="1">
+                <a:lnSpc>
+                  <a:spcPct val="130000"/>
+                </a:lnSpc>
+                <a:spcBef>
+                  <a:spcPct val="20000"/>
+                </a:spcBef>
+                <a:buFont typeface="Arial"/>
+                <a:buNone/>
+                <a:defRPr sz="3200" kern="1200">
+                  <a:solidFill>
+                    <a:schemeClr val="tx1">
+                      <a:tint val="75000"/>
+                    </a:schemeClr>
+                  </a:solidFill>
+                  <a:latin typeface="Open Sans"/>
+                  <a:ea typeface="+mn-ea"/>
+                  <a:cs typeface="Open Sans"/>
+                </a:defRPr>
+              </a:lvl2pPr>
+              <a:lvl3pPr marL="2175271" indent="0" algn="ctr" defTabSz="1087636" rtl="0" eaLnBrk="1" latinLnBrk="0" hangingPunct="1">
+                <a:lnSpc>
+                  <a:spcPct val="130000"/>
+                </a:lnSpc>
+                <a:spcBef>
+                  <a:spcPct val="20000"/>
+                </a:spcBef>
+                <a:buFont typeface="Arial"/>
+                <a:buNone/>
+                <a:defRPr sz="3200" kern="1200">
+                  <a:solidFill>
+                    <a:schemeClr val="tx1">
+                      <a:tint val="75000"/>
+                    </a:schemeClr>
+                  </a:solidFill>
+                  <a:latin typeface="Open Sans"/>
+                  <a:ea typeface="+mn-ea"/>
+                  <a:cs typeface="Open Sans"/>
+                </a:defRPr>
+              </a:lvl3pPr>
+              <a:lvl4pPr marL="3262912" indent="0" algn="ctr" defTabSz="1087636" rtl="0" eaLnBrk="1" latinLnBrk="0" hangingPunct="1">
+                <a:lnSpc>
+                  <a:spcPct val="130000"/>
+                </a:lnSpc>
+                <a:spcBef>
+                  <a:spcPct val="20000"/>
+                </a:spcBef>
+                <a:buFont typeface="Arial"/>
+                <a:buNone/>
+                <a:defRPr sz="3200" kern="1200">
+                  <a:solidFill>
+                    <a:schemeClr val="tx1">
+                      <a:tint val="75000"/>
+                    </a:schemeClr>
+                  </a:solidFill>
+                  <a:latin typeface="Open Sans"/>
+                  <a:ea typeface="+mn-ea"/>
+                  <a:cs typeface="Open Sans"/>
+                </a:defRPr>
+              </a:lvl4pPr>
+              <a:lvl5pPr marL="4350546" indent="0" algn="ctr" defTabSz="1087636" rtl="0" eaLnBrk="1" latinLnBrk="0" hangingPunct="1">
+                <a:lnSpc>
+                  <a:spcPct val="130000"/>
+                </a:lnSpc>
+                <a:spcBef>
+                  <a:spcPct val="20000"/>
+                </a:spcBef>
+                <a:buFont typeface="Arial"/>
+                <a:buNone/>
+                <a:defRPr sz="3200" kern="1200">
+                  <a:solidFill>
+                    <a:schemeClr val="tx1">
+                      <a:tint val="75000"/>
+                    </a:schemeClr>
+                  </a:solidFill>
+                  <a:latin typeface="Open Sans"/>
+                  <a:ea typeface="+mn-ea"/>
+                  <a:cs typeface="Open Sans"/>
+                </a:defRPr>
+              </a:lvl5pPr>
+              <a:lvl6pPr marL="5438184" indent="0" algn="ctr" defTabSz="1087636" rtl="0" eaLnBrk="1" latinLnBrk="0" hangingPunct="1">
+                <a:spcBef>
+                  <a:spcPct val="20000"/>
+                </a:spcBef>
+                <a:buFont typeface="Arial"/>
+                <a:buNone/>
+                <a:defRPr sz="4800" kern="1200">
+                  <a:solidFill>
+                    <a:schemeClr val="tx1">
+                      <a:tint val="75000"/>
+                    </a:schemeClr>
+                  </a:solidFill>
+                  <a:latin typeface="+mn-lt"/>
+                  <a:ea typeface="+mn-ea"/>
+                  <a:cs typeface="+mn-cs"/>
+                </a:defRPr>
+              </a:lvl6pPr>
+              <a:lvl7pPr marL="6525820" indent="0" algn="ctr" defTabSz="1087636" rtl="0" eaLnBrk="1" latinLnBrk="0" hangingPunct="1">
+                <a:spcBef>
+                  <a:spcPct val="20000"/>
+                </a:spcBef>
+                <a:buFont typeface="Arial"/>
+                <a:buNone/>
+                <a:defRPr sz="4800" kern="1200">
+                  <a:solidFill>
+                    <a:schemeClr val="tx1">
+                      <a:tint val="75000"/>
+                    </a:schemeClr>
+                  </a:solidFill>
+                  <a:latin typeface="+mn-lt"/>
+                  <a:ea typeface="+mn-ea"/>
+                  <a:cs typeface="+mn-cs"/>
+                </a:defRPr>
+              </a:lvl7pPr>
+              <a:lvl8pPr marL="7613455" indent="0" algn="ctr" defTabSz="1087636" rtl="0" eaLnBrk="1" latinLnBrk="0" hangingPunct="1">
+                <a:spcBef>
+                  <a:spcPct val="20000"/>
+                </a:spcBef>
+                <a:buFont typeface="Arial"/>
+                <a:buNone/>
+                <a:defRPr sz="4800" kern="1200">
+                  <a:solidFill>
+                    <a:schemeClr val="tx1">
+                      <a:tint val="75000"/>
+                    </a:schemeClr>
+                  </a:solidFill>
+                  <a:latin typeface="+mn-lt"/>
+                  <a:ea typeface="+mn-ea"/>
+                  <a:cs typeface="+mn-cs"/>
+                </a:defRPr>
+              </a:lvl8pPr>
+              <a:lvl9pPr marL="8701091" indent="0" algn="ctr" defTabSz="1087636" rtl="0" eaLnBrk="1" latinLnBrk="0" hangingPunct="1">
+                <a:spcBef>
+                  <a:spcPct val="20000"/>
+                </a:spcBef>
+                <a:buFont typeface="Arial"/>
+                <a:buNone/>
+                <a:defRPr sz="4800" kern="1200">
+                  <a:solidFill>
+                    <a:schemeClr val="tx1">
+                      <a:tint val="75000"/>
+                    </a:schemeClr>
+                  </a:solidFill>
+                  <a:latin typeface="+mn-lt"/>
+                  <a:ea typeface="+mn-ea"/>
+                  <a:cs typeface="+mn-cs"/>
+                </a:defRPr>
+              </a:lvl9pPr>
+            </a:lstStyle>
+            <a:p>
+              <a:pPr>
+                <a:lnSpc>
+                  <a:spcPts val="2020"/>
+                </a:lnSpc>
+              </a:pPr>
+              <a:r>
+                <a:rPr lang="es-PA" sz="1200" dirty="0">
+                  <a:solidFill>
+                    <a:schemeClr val="tx1"/>
+                  </a:solidFill>
+                  <a:latin typeface="+mn-lt"/>
+                  <a:ea typeface="Lato Light" charset="0"/>
+                  <a:cs typeface="Lato Light" charset="0"/>
+                </a:rPr>
+                <a:t>Fuente principal para realizar cualquier tipo de asignación debido a la gran variedad de contenido</a:t>
+              </a:r>
+            </a:p>
+          </p:txBody>
+        </p:sp>
+        <p:sp>
+          <p:nvSpPr>
+            <p:cNvPr id="30" name="TextBox 11">
+              <a:extLst>
+                <a:ext uri="{FF2B5EF4-FFF2-40B4-BE49-F238E27FC236}">
+                  <a16:creationId xmlns:a16="http://schemas.microsoft.com/office/drawing/2014/main" id="{C5DF1062-48A1-406C-8014-D24369EF42FC}"/>
+                </a:ext>
+              </a:extLst>
+            </p:cNvPr>
             <p:cNvSpPr txBox="1"/>
             <p:nvPr/>
           </p:nvSpPr>
           <p:spPr>
             <a:xfrm>
-              <a:off x="3569959" y="1138571"/>
-              <a:ext cx="6132848" cy="646331"/>
+              <a:off x="6900287" y="3674960"/>
+              <a:ext cx="1088247" cy="307777"/>
             </a:xfrm>
             <a:prstGeom prst="rect">
               <a:avLst/>
@@ -25471,162 +25873,98 @@
             <a:noFill/>
           </p:spPr>
           <p:txBody>
-            <a:bodyPr wrap="square" rtlCol="0">
+            <a:bodyPr wrap="none" rtlCol="0" anchor="ctr" anchorCtr="0">
               <a:spAutoFit/>
             </a:bodyPr>
             <a:lstStyle/>
             <a:p>
               <a:pPr algn="ctr"/>
               <a:r>
-                <a:rPr lang="en-US" sz="3600" b="1" dirty="0">
-                  <a:latin typeface="Titillium" panose="00000500000000000000" pitchFamily="50" charset="0"/>
+                <a:rPr lang="en-US" sz="1400" b="1" dirty="0">
+                  <a:latin typeface="+mj-lt"/>
+                  <a:ea typeface="Lato Heavy" charset="0"/>
+                  <a:cs typeface="Lato Heavy" charset="0"/>
                 </a:rPr>
-                <a:t>Fun Fact About Us</a:t>
+                <a:t>EDUCACIÓN</a:t>
               </a:r>
-              <a:endParaRPr lang="en-US" sz="3600" b="1" dirty="0">
-                <a:solidFill>
-                  <a:schemeClr val="accent2"/>
-                </a:solidFill>
-                <a:latin typeface="Titillium" panose="00000500000000000000" pitchFamily="50" charset="0"/>
+            </a:p>
+          </p:txBody>
+        </p:sp>
+        <p:sp>
+          <p:nvSpPr>
+            <p:cNvPr id="31" name="Rectangle 12">
+              <a:extLst>
+                <a:ext uri="{FF2B5EF4-FFF2-40B4-BE49-F238E27FC236}">
+                  <a16:creationId xmlns:a16="http://schemas.microsoft.com/office/drawing/2014/main" id="{A20C881E-2934-47E6-865F-CAA550D299D4}"/>
+                </a:ext>
+              </a:extLst>
+            </p:cNvPr>
+            <p:cNvSpPr>
+              <a:spLocks/>
+            </p:cNvSpPr>
+            <p:nvPr/>
+          </p:nvSpPr>
+          <p:spPr bwMode="auto">
+            <a:xfrm>
+              <a:off x="7016608" y="3000836"/>
+              <a:ext cx="878447" cy="474489"/>
+            </a:xfrm>
+            <a:prstGeom prst="rect">
+              <a:avLst/>
+            </a:prstGeom>
+            <a:noFill/>
+            <a:ln>
+              <a:noFill/>
+            </a:ln>
+            <a:extLst>
+              <a:ext uri="{909E8E84-426E-40dd-AFC4-6F175D3DCCD1}">
+                <a14:hiddenFill xmlns="" xmlns:a14="http://schemas.microsoft.com/office/drawing/2010/main">
+                  <a:solidFill>
+                    <a:srgbClr val="FFFFFF"/>
+                  </a:solidFill>
+                </a14:hiddenFill>
+              </a:ext>
+              <a:ext uri="{91240B29-F687-4f45-9708-019B960494DF}">
+                <a14:hiddenLine xmlns="" xmlns:a14="http://schemas.microsoft.com/office/drawing/2010/main" w="12700">
+                  <a:solidFill>
+                    <a:schemeClr val="tx1"/>
+                  </a:solidFill>
+                  <a:miter lim="800000"/>
+                  <a:headEnd/>
+                  <a:tailEnd/>
+                </a14:hiddenLine>
+              </a:ext>
+            </a:extLst>
+          </p:spPr>
+          <p:txBody>
+            <a:bodyPr vert="horz" wrap="none" lIns="0" tIns="0" rIns="0" bIns="0" anchor="ctr" anchorCtr="0">
+              <a:spAutoFit/>
+            </a:bodyPr>
+            <a:lstStyle/>
+            <a:p>
+              <a:pPr algn="ctr" defTabSz="2286000">
+                <a:lnSpc>
+                  <a:spcPts val="3700"/>
+                </a:lnSpc>
+              </a:pPr>
+              <a:r>
+                <a:rPr lang="es-PA" sz="3500" b="1" spc="250" dirty="0">
+                  <a:latin typeface="+mj-lt"/>
+                  <a:ea typeface="Lato Light" charset="0"/>
+                  <a:cs typeface="Lato Light" charset="0"/>
+                  <a:sym typeface="Bebas Neue" charset="0"/>
+                </a:rPr>
+                <a:t>38%</a:t>
+              </a:r>
+              <a:endParaRPr lang="en-US" sz="3500" b="1" spc="250" dirty="0">
+                <a:latin typeface="+mj-lt"/>
+                <a:ea typeface="Lato Light" charset="0"/>
+                <a:cs typeface="Lato Light" charset="0"/>
+                <a:sym typeface="Bebas Neue" charset="0"/>
               </a:endParaRPr>
             </a:p>
           </p:txBody>
         </p:sp>
-        <p:grpSp>
-          <p:nvGrpSpPr>
-            <p:cNvPr id="16" name="Group 15"/>
-            <p:cNvGrpSpPr/>
-            <p:nvPr/>
-          </p:nvGrpSpPr>
-          <p:grpSpPr>
-            <a:xfrm>
-              <a:off x="5020269" y="811072"/>
-              <a:ext cx="3232227" cy="307777"/>
-              <a:chOff x="4472113" y="319593"/>
-              <a:chExt cx="3232227" cy="307777"/>
-            </a:xfrm>
-          </p:grpSpPr>
-          <p:sp>
-            <p:nvSpPr>
-              <p:cNvPr id="17" name="TextBox 16"/>
-              <p:cNvSpPr txBox="1"/>
-              <p:nvPr userDrawn="1"/>
-            </p:nvSpPr>
-            <p:spPr>
-              <a:xfrm>
-                <a:off x="5041305" y="360666"/>
-                <a:ext cx="2093843" cy="261610"/>
-              </a:xfrm>
-              <a:prstGeom prst="rect">
-                <a:avLst/>
-              </a:prstGeom>
-              <a:noFill/>
-            </p:spPr>
-            <p:txBody>
-              <a:bodyPr wrap="none" rtlCol="0">
-                <a:spAutoFit/>
-              </a:bodyPr>
-              <a:lstStyle/>
-              <a:p>
-                <a:pPr algn="ctr"/>
-                <a:r>
-                  <a:rPr lang="en-US" sz="1050" spc="400" dirty="0">
-                    <a:solidFill>
-                      <a:schemeClr val="tx1"/>
-                    </a:solidFill>
-                    <a:latin typeface="+mj-lt"/>
-                  </a:rPr>
-                  <a:t>SLIDE</a:t>
-                </a:r>
-                <a:r>
-                  <a:rPr lang="en-US" sz="1050" spc="400" baseline="0" dirty="0">
-                    <a:solidFill>
-                      <a:schemeClr val="tx1"/>
-                    </a:solidFill>
-                    <a:latin typeface="+mj-lt"/>
-                  </a:rPr>
-                  <a:t> TITLE HERE</a:t>
-                </a:r>
-                <a:endParaRPr lang="en-US" sz="1050" spc="400" dirty="0">
-                  <a:solidFill>
-                    <a:schemeClr val="tx1"/>
-                  </a:solidFill>
-                  <a:latin typeface="+mj-lt"/>
-                </a:endParaRPr>
-              </a:p>
-            </p:txBody>
-          </p:sp>
-          <p:sp>
-            <p:nvSpPr>
-              <p:cNvPr id="18" name="TextBox 17"/>
-              <p:cNvSpPr txBox="1"/>
-              <p:nvPr userDrawn="1"/>
-            </p:nvSpPr>
-            <p:spPr>
-              <a:xfrm>
-                <a:off x="4472113" y="319593"/>
-                <a:ext cx="425116" cy="307777"/>
-              </a:xfrm>
-              <a:prstGeom prst="rect">
-                <a:avLst/>
-              </a:prstGeom>
-              <a:noFill/>
-            </p:spPr>
-            <p:txBody>
-              <a:bodyPr wrap="none" rtlCol="0">
-                <a:spAutoFit/>
-              </a:bodyPr>
-              <a:lstStyle/>
-              <a:p>
-                <a:pPr algn="ctr"/>
-                <a:r>
-                  <a:rPr lang="en-US" sz="1400" spc="400" dirty="0">
-                    <a:solidFill>
-                      <a:schemeClr val="tx1"/>
-                    </a:solidFill>
-                    <a:latin typeface="+mj-lt"/>
-                  </a:rPr>
-                  <a:t>-[</a:t>
-                </a:r>
-              </a:p>
-            </p:txBody>
-          </p:sp>
-          <p:sp>
-            <p:nvSpPr>
-              <p:cNvPr id="19" name="TextBox 18"/>
-              <p:cNvSpPr txBox="1"/>
-              <p:nvPr userDrawn="1"/>
-            </p:nvSpPr>
-            <p:spPr>
-              <a:xfrm>
-                <a:off x="7279224" y="319593"/>
-                <a:ext cx="425116" cy="307777"/>
-              </a:xfrm>
-              <a:prstGeom prst="rect">
-                <a:avLst/>
-              </a:prstGeom>
-              <a:noFill/>
-            </p:spPr>
-            <p:txBody>
-              <a:bodyPr wrap="none" rtlCol="0">
-                <a:spAutoFit/>
-              </a:bodyPr>
-              <a:lstStyle/>
-              <a:p>
-                <a:pPr algn="ctr"/>
-                <a:r>
-                  <a:rPr lang="en-US" sz="1400" spc="400" dirty="0">
-                    <a:solidFill>
-                      <a:schemeClr val="tx1"/>
-                    </a:solidFill>
-                    <a:latin typeface="+mj-lt"/>
-                  </a:rPr>
-                  <a:t>]-</a:t>
-                </a:r>
-              </a:p>
-            </p:txBody>
-          </p:sp>
-        </p:grpSp>
       </p:grpSp>
     </p:spTree>
     <p:extLst>
@@ -25641,8 +25979,8 @@
   <p:transition spd="slow">
     <p:push dir="u"/>
   </p:transition>
-  <mc:AlternateContent xmlns:mc="http://schemas.openxmlformats.org/markup-compatibility/2006" xmlns:p14="http://schemas.microsoft.com/office/powerpoint/2010/main">
-    <mc:Choice Requires="p14">
+  <mc:AlternateContent xmlns:mc="http://schemas.openxmlformats.org/markup-compatibility/2006">
+    <mc:Choice xmlns:p14="http://schemas.microsoft.com/office/powerpoint/2010/main" Requires="p14">
       <p:timing>
         <p:tnLst>
           <p:par>
@@ -25899,7 +26237,7 @@
                                               </p:stCondLst>
                                             </p:cTn>
                                             <p:tgtEl>
-                                              <p:spTgt spid="23"/>
+                                              <p:spTgt spid="24"/>
                                             </p:tgtEl>
                                             <p:attrNameLst>
                                               <p:attrName>style.visibility</p:attrName>
@@ -25913,7 +26251,7 @@
                                           <p:cBhvr additive="base">
                                             <p:cTn id="19" dur="1000" fill="hold"/>
                                             <p:tgtEl>
-                                              <p:spTgt spid="23"/>
+                                              <p:spTgt spid="24"/>
                                             </p:tgtEl>
                                             <p:attrNameLst>
                                               <p:attrName>ppt_x</p:attrName>
@@ -25936,7 +26274,80 @@
                                           <p:cBhvr additive="base">
                                             <p:cTn id="20" dur="1000" fill="hold"/>
                                             <p:tgtEl>
-                                              <p:spTgt spid="23"/>
+                                              <p:spTgt spid="24"/>
+                                            </p:tgtEl>
+                                            <p:attrNameLst>
+                                              <p:attrName>ppt_y</p:attrName>
+                                            </p:attrNameLst>
+                                          </p:cBhvr>
+                                          <p:tavLst>
+                                            <p:tav tm="0">
+                                              <p:val>
+                                                <p:strVal val="1+#ppt_h/2"/>
+                                              </p:val>
+                                            </p:tav>
+                                            <p:tav tm="100000">
+                                              <p:val>
+                                                <p:strVal val="#ppt_y"/>
+                                              </p:val>
+                                            </p:tav>
+                                          </p:tavLst>
+                                        </p:anim>
+                                      </p:childTnLst>
+                                    </p:cTn>
+                                  </p:par>
+                                  <p:par>
+                                    <p:cTn id="21" presetID="2" presetClass="entr" presetSubtype="4" fill="hold" nodeType="withEffect" p14:presetBounceEnd="60000">
+                                      <p:stCondLst>
+                                        <p:cond delay="1000"/>
+                                      </p:stCondLst>
+                                      <p:childTnLst>
+                                        <p:set>
+                                          <p:cBhvr>
+                                            <p:cTn id="22" dur="1" fill="hold">
+                                              <p:stCondLst>
+                                                <p:cond delay="0"/>
+                                              </p:stCondLst>
+                                            </p:cTn>
+                                            <p:tgtEl>
+                                              <p:spTgt spid="28"/>
+                                            </p:tgtEl>
+                                            <p:attrNameLst>
+                                              <p:attrName>style.visibility</p:attrName>
+                                            </p:attrNameLst>
+                                          </p:cBhvr>
+                                          <p:to>
+                                            <p:strVal val="visible"/>
+                                          </p:to>
+                                        </p:set>
+                                        <p:anim calcmode="lin" valueType="num" p14:bounceEnd="60000">
+                                          <p:cBhvr additive="base">
+                                            <p:cTn id="23" dur="1000" fill="hold"/>
+                                            <p:tgtEl>
+                                              <p:spTgt spid="28"/>
+                                            </p:tgtEl>
+                                            <p:attrNameLst>
+                                              <p:attrName>ppt_x</p:attrName>
+                                            </p:attrNameLst>
+                                          </p:cBhvr>
+                                          <p:tavLst>
+                                            <p:tav tm="0">
+                                              <p:val>
+                                                <p:strVal val="#ppt_x"/>
+                                              </p:val>
+                                            </p:tav>
+                                            <p:tav tm="100000">
+                                              <p:val>
+                                                <p:strVal val="#ppt_x"/>
+                                              </p:val>
+                                            </p:tav>
+                                          </p:tavLst>
+                                        </p:anim>
+                                        <p:anim calcmode="lin" valueType="num" p14:bounceEnd="60000">
+                                          <p:cBhvr additive="base">
+                                            <p:cTn id="24" dur="1000" fill="hold"/>
+                                            <p:tgtEl>
+                                              <p:spTgt spid="28"/>
                                             </p:tgtEl>
                                             <p:attrNameLst>
                                               <p:attrName>ppt_y</p:attrName>
@@ -25987,7 +26398,7 @@
         </p:tnLst>
       </p:timing>
     </mc:Choice>
-    <mc:Fallback xmlns="">
+    <mc:Fallback>
       <p:timing>
         <p:tnLst>
           <p:par>
@@ -26244,7 +26655,7 @@
                                               </p:stCondLst>
                                             </p:cTn>
                                             <p:tgtEl>
-                                              <p:spTgt spid="23"/>
+                                              <p:spTgt spid="24"/>
                                             </p:tgtEl>
                                             <p:attrNameLst>
                                               <p:attrName>style.visibility</p:attrName>
@@ -26258,7 +26669,7 @@
                                           <p:cBhvr additive="base">
                                             <p:cTn id="19" dur="1000" fill="hold"/>
                                             <p:tgtEl>
-                                              <p:spTgt spid="23"/>
+                                              <p:spTgt spid="24"/>
                                             </p:tgtEl>
                                             <p:attrNameLst>
                                               <p:attrName>ppt_x</p:attrName>
@@ -26281,7 +26692,80 @@
                                           <p:cBhvr additive="base">
                                             <p:cTn id="20" dur="1000" fill="hold"/>
                                             <p:tgtEl>
-                                              <p:spTgt spid="23"/>
+                                              <p:spTgt spid="24"/>
+                                            </p:tgtEl>
+                                            <p:attrNameLst>
+                                              <p:attrName>ppt_y</p:attrName>
+                                            </p:attrNameLst>
+                                          </p:cBhvr>
+                                          <p:tavLst>
+                                            <p:tav tm="0">
+                                              <p:val>
+                                                <p:strVal val="1+#ppt_h/2"/>
+                                              </p:val>
+                                            </p:tav>
+                                            <p:tav tm="100000">
+                                              <p:val>
+                                                <p:strVal val="#ppt_y"/>
+                                              </p:val>
+                                            </p:tav>
+                                          </p:tavLst>
+                                        </p:anim>
+                                      </p:childTnLst>
+                                    </p:cTn>
+                                  </p:par>
+                                  <p:par>
+                                    <p:cTn id="21" presetID="2" presetClass="entr" presetSubtype="4" fill="hold" nodeType="withEffect">
+                                      <p:stCondLst>
+                                        <p:cond delay="1000"/>
+                                      </p:stCondLst>
+                                      <p:childTnLst>
+                                        <p:set>
+                                          <p:cBhvr>
+                                            <p:cTn id="22" dur="1" fill="hold">
+                                              <p:stCondLst>
+                                                <p:cond delay="0"/>
+                                              </p:stCondLst>
+                                            </p:cTn>
+                                            <p:tgtEl>
+                                              <p:spTgt spid="28"/>
+                                            </p:tgtEl>
+                                            <p:attrNameLst>
+                                              <p:attrName>style.visibility</p:attrName>
+                                            </p:attrNameLst>
+                                          </p:cBhvr>
+                                          <p:to>
+                                            <p:strVal val="visible"/>
+                                          </p:to>
+                                        </p:set>
+                                        <p:anim calcmode="lin" valueType="num">
+                                          <p:cBhvr additive="base">
+                                            <p:cTn id="23" dur="1000" fill="hold"/>
+                                            <p:tgtEl>
+                                              <p:spTgt spid="28"/>
+                                            </p:tgtEl>
+                                            <p:attrNameLst>
+                                              <p:attrName>ppt_x</p:attrName>
+                                            </p:attrNameLst>
+                                          </p:cBhvr>
+                                          <p:tavLst>
+                                            <p:tav tm="0">
+                                              <p:val>
+                                                <p:strVal val="#ppt_x"/>
+                                              </p:val>
+                                            </p:tav>
+                                            <p:tav tm="100000">
+                                              <p:val>
+                                                <p:strVal val="#ppt_x"/>
+                                              </p:val>
+                                            </p:tav>
+                                          </p:tavLst>
+                                        </p:anim>
+                                        <p:anim calcmode="lin" valueType="num">
+                                          <p:cBhvr additive="base">
+                                            <p:cTn id="24" dur="1000" fill="hold"/>
+                                            <p:tgtEl>
+                                              <p:spTgt spid="28"/>
                                             </p:tgtEl>
                                             <p:attrNameLst>
                                               <p:attrName>ppt_y</p:attrName>
@@ -26362,9 +26846,9 @@
         <p:grpSpPr>
           <a:xfrm>
             <a:off x="1980330" y="2915616"/>
-            <a:ext cx="8265648" cy="2049045"/>
+            <a:ext cx="8265648" cy="3157040"/>
             <a:chOff x="1633095" y="2814016"/>
-            <a:chExt cx="8265648" cy="2049045"/>
+            <a:chExt cx="8265648" cy="3157040"/>
           </a:xfrm>
         </p:grpSpPr>
         <p:sp>
@@ -26411,7 +26895,7 @@
                 <a:rPr lang="en-US" sz="2000" spc="200" dirty="0">
                   <a:latin typeface="+mn-lt"/>
                 </a:rPr>
-                <a:t>Research Project</a:t>
+                <a:t>¿EN REALIDAD HA SIDO POSITIVO?</a:t>
               </a:r>
             </a:p>
           </p:txBody>
@@ -26425,7 +26909,7 @@
           <p:spPr>
             <a:xfrm>
               <a:off x="1633095" y="3478066"/>
-              <a:ext cx="8265648" cy="1384995"/>
+              <a:ext cx="8265648" cy="2492990"/>
             </a:xfrm>
             <a:prstGeom prst="rect">
               <a:avLst/>
@@ -26438,7 +26922,7 @@
             <a:lstStyle/>
             <a:p>
               <a:r>
-                <a:rPr lang="en-US" sz="1200" dirty="0">
+                <a:rPr lang="es-PA" sz="1400" dirty="0">
                   <a:solidFill>
                     <a:schemeClr val="tx1">
                       <a:alpha val="60000"/>
@@ -26447,11 +26931,22 @@
                   <a:ea typeface="Lato Light" charset="0"/>
                   <a:cs typeface="Lato Light" charset="0"/>
                 </a:rPr>
-                <a:t>Over the course of the last decade, however, we seem to have reached a general agreement that creativity involves the production of novel, useful products words, the production of something original and worthwhile. Authors have diverged dramatically in their precise definitions.</a:t>
+                <a:t>Gracias a la influencia se ven abiertas nuevas oportunidades de desarrollo, tanto personal como social. La idea principal de la tecnología es convertirse en un aliado para el desarrollo, su función principal es magnificar cualquier tipo de avance.</a:t>
               </a:r>
             </a:p>
             <a:p>
-              <a:endParaRPr lang="en-US" sz="1200" dirty="0">
+              <a:endParaRPr lang="es-PA" sz="1400" dirty="0">
+                <a:solidFill>
+                  <a:schemeClr val="tx1">
+                    <a:alpha val="60000"/>
+                  </a:schemeClr>
+                </a:solidFill>
+                <a:ea typeface="Lato Light" charset="0"/>
+                <a:cs typeface="Lato Light" charset="0"/>
+              </a:endParaRPr>
+            </a:p>
+            <a:p>
+              <a:endParaRPr lang="es-PA" sz="1400" dirty="0">
                 <a:solidFill>
                   <a:schemeClr val="tx1">
                     <a:alpha val="60000"/>
@@ -26463,7 +26958,7 @@
             </a:p>
             <a:p>
               <a:r>
-                <a:rPr lang="en-US" sz="1200" dirty="0">
+                <a:rPr lang="es-PA" sz="1400" dirty="0">
                   <a:solidFill>
                     <a:schemeClr val="tx1">
                       <a:alpha val="60000"/>
@@ -26472,8 +26967,95 @@
                   <a:ea typeface="Lato Light" charset="0"/>
                   <a:cs typeface="Lato Light" charset="0"/>
                 </a:rPr>
-                <a:t>Beyond these general commonalities reckons that over a hundred different analyses can be found in the literature. As an illustration, one definition given described it as a process of becoming sensitive to problems, deficiencies, gaps in knowledge, missing elements, disharmonies, and so on identifying the difficulty searching for solutions.</a:t>
+                <a:t>A medida que la tecnología surge se crean diferentes ideologías y posibilidades del mañana.</a:t>
               </a:r>
+            </a:p>
+            <a:p>
+              <a:endParaRPr lang="es-PA" sz="1400" dirty="0">
+                <a:solidFill>
+                  <a:schemeClr val="tx1">
+                    <a:alpha val="60000"/>
+                  </a:schemeClr>
+                </a:solidFill>
+                <a:ea typeface="Lato Light" charset="0"/>
+                <a:cs typeface="Lato Light" charset="0"/>
+              </a:endParaRPr>
+            </a:p>
+            <a:p>
+              <a:endParaRPr lang="es-PA" sz="1400" dirty="0">
+                <a:solidFill>
+                  <a:schemeClr val="tx1">
+                    <a:alpha val="60000"/>
+                  </a:schemeClr>
+                </a:solidFill>
+                <a:ea typeface="Lato Light" charset="0"/>
+                <a:cs typeface="Lato Light" charset="0"/>
+              </a:endParaRPr>
+            </a:p>
+            <a:p>
+              <a:pPr algn="ctr"/>
+              <a:r>
+                <a:rPr lang="es-PA" sz="1400" b="1" dirty="0">
+                  <a:solidFill>
+                    <a:schemeClr val="tx1">
+                      <a:alpha val="60000"/>
+                    </a:schemeClr>
+                  </a:solidFill>
+                  <a:ea typeface="Lato Light" charset="0"/>
+                  <a:cs typeface="Lato Light" charset="0"/>
+                </a:rPr>
+                <a:t>“El verdadero progreso es el que pone la tecnología al alcance de todos”</a:t>
+              </a:r>
+            </a:p>
+            <a:p>
+              <a:pPr algn="ctr"/>
+              <a:endParaRPr lang="es-PA" sz="400" dirty="0">
+                <a:solidFill>
+                  <a:schemeClr val="tx1">
+                    <a:alpha val="60000"/>
+                  </a:schemeClr>
+                </a:solidFill>
+                <a:ea typeface="Lato Light" charset="0"/>
+                <a:cs typeface="Lato Light" charset="0"/>
+              </a:endParaRPr>
+            </a:p>
+            <a:p>
+              <a:pPr algn="ctr"/>
+              <a:r>
+                <a:rPr lang="es-PA" sz="1400" dirty="0">
+                  <a:solidFill>
+                    <a:schemeClr val="tx1">
+                      <a:alpha val="60000"/>
+                    </a:schemeClr>
+                  </a:solidFill>
+                  <a:ea typeface="Lato Light" charset="0"/>
+                  <a:cs typeface="Lato Light" charset="0"/>
+                </a:rPr>
+                <a:t>			                         	</a:t>
+              </a:r>
+              <a:r>
+                <a:rPr lang="es-PA" sz="1400" b="1" i="1" dirty="0">
+                  <a:solidFill>
+                    <a:schemeClr val="accent2">
+                      <a:alpha val="60000"/>
+                    </a:schemeClr>
+                  </a:solidFill>
+                  <a:ea typeface="Lato Light" charset="0"/>
+                  <a:cs typeface="Lato Light" charset="0"/>
+                </a:rPr>
+                <a:t>- Henry Ford</a:t>
+              </a:r>
+            </a:p>
+            <a:p>
+              <a:endParaRPr lang="es-PA" sz="1200" dirty="0">
+                <a:solidFill>
+                  <a:schemeClr val="tx1">
+                    <a:alpha val="60000"/>
+                  </a:schemeClr>
+                </a:solidFill>
+                <a:ea typeface="Lato Light" charset="0"/>
+                <a:cs typeface="Lato Light" charset="0"/>
+              </a:endParaRPr>
             </a:p>
           </p:txBody>
         </p:sp>
@@ -26486,8 +27068,8 @@
         </p:nvGrpSpPr>
         <p:grpSpPr>
           <a:xfrm>
-            <a:off x="3054157" y="803810"/>
-            <a:ext cx="6132848" cy="973830"/>
+            <a:off x="2624551" y="816510"/>
+            <a:ext cx="6977205" cy="973830"/>
             <a:chOff x="3569959" y="811072"/>
             <a:chExt cx="6132848" cy="973830"/>
           </a:xfrm>
@@ -26519,14 +27101,17 @@
                 <a:rPr lang="en-US" sz="3600" b="1" dirty="0">
                   <a:latin typeface="Titillium" panose="00000500000000000000" pitchFamily="50" charset="0"/>
                 </a:rPr>
-                <a:t>One Columns Preview</a:t>
+                <a:t>LA INFLUENCIA DE LA </a:t>
               </a:r>
-              <a:endParaRPr lang="en-US" sz="3600" b="1" dirty="0">
-                <a:solidFill>
-                  <a:schemeClr val="accent2"/>
-                </a:solidFill>
-                <a:latin typeface="Titillium" panose="00000500000000000000" pitchFamily="50" charset="0"/>
-              </a:endParaRPr>
+              <a:r>
+                <a:rPr lang="en-US" sz="3600" b="1" dirty="0">
+                  <a:solidFill>
+                    <a:schemeClr val="accent2"/>
+                  </a:solidFill>
+                  <a:latin typeface="Titillium" panose="00000500000000000000" pitchFamily="50" charset="0"/>
+                </a:rPr>
+                <a:t>TECNOLOGÍA</a:t>
+              </a:r>
             </a:p>
           </p:txBody>
         </p:sp>
@@ -26552,8 +27137,8 @@
             </p:nvSpPr>
             <p:spPr>
               <a:xfrm>
-                <a:off x="5041305" y="360666"/>
-                <a:ext cx="2093843" cy="261610"/>
+                <a:off x="5360307" y="360666"/>
+                <a:ext cx="1455848" cy="253916"/>
               </a:xfrm>
               <a:prstGeom prst="rect">
                 <a:avLst/>
@@ -26569,21 +27154,9 @@
                 <a:pPr algn="ctr"/>
                 <a:r>
                   <a:rPr lang="en-US" sz="1050" spc="400" dirty="0">
-                    <a:solidFill>
-                      <a:schemeClr val="tx1"/>
-                    </a:solidFill>
                     <a:latin typeface="+mj-lt"/>
                   </a:rPr>
-                  <a:t>SLIDE</a:t>
-                </a:r>
-                <a:r>
-                  <a:rPr lang="en-US" sz="1050" spc="400" baseline="0" dirty="0">
-                    <a:solidFill>
-                      <a:schemeClr val="tx1"/>
-                    </a:solidFill>
-                    <a:latin typeface="+mj-lt"/>
-                  </a:rPr>
-                  <a:t> TITLE HERE</a:t>
+                  <a:t>EL PRESENTE</a:t>
                 </a:r>
                 <a:endParaRPr lang="en-US" sz="1050" spc="400" dirty="0">
                   <a:solidFill>
